--- a/slides/03 Functions and Vectors/ppt/03 Functions and Vectors.pptx
+++ b/slides/03 Functions and Vectors/ppt/03 Functions and Vectors.pptx
@@ -259,7 +259,7 @@
           <a:p>
             <a:fld id="{005845AE-ACE1-EC44-8625-84E41CDD46BF}" type="datetimeFigureOut">
               <a:rPr lang="en-US" smtClean="0"/>
-              <a:t>12/21/20</a:t>
+              <a:t>3/10/21</a:t>
             </a:fld>
             <a:endParaRPr lang="en-US"/>
           </a:p>
@@ -425,7 +425,7 @@
           <a:p>
             <a:fld id="{BBB7B6E1-B344-C444-840E-5BCE257718B4}" type="datetimeFigureOut">
               <a:rPr lang="en-US" smtClean="0"/>
-              <a:t>12/21/20</a:t>
+              <a:t>3/10/21</a:t>
             </a:fld>
             <a:endParaRPr lang="en-US"/>
           </a:p>
@@ -7659,9 +7659,7 @@
             <a:r>
               <a:rPr lang="en-US" sz="1400" i="1" dirty="0">
                 <a:solidFill>
-                  <a:schemeClr val="accent6">
-                    <a:lumMod val="75000"/>
-                  </a:schemeClr>
+                  <a:srgbClr val="7030A0"/>
                 </a:solidFill>
               </a:rPr>
               <a:t>Data Science for Operational Researchers using R</a:t>
@@ -7973,7 +7971,7 @@
         </p:nvSpPr>
         <p:spPr>
           <a:xfrm>
-            <a:off x="2209800" y="3429000"/>
+            <a:off x="2209800" y="4128927"/>
             <a:ext cx="7772400" cy="2694763"/>
           </a:xfrm>
         </p:spPr>
@@ -7984,10 +7982,18 @@
           <a:lstStyle/>
           <a:p>
             <a:r>
-              <a:rPr lang="en-US" dirty="0"/>
+              <a:rPr lang="en-US" dirty="0">
+                <a:solidFill>
+                  <a:srgbClr val="FF0000"/>
+                </a:solidFill>
+              </a:rPr>
               <a:t>Topic 3: Functions and Vectors</a:t>
             </a:r>
-            <a:endParaRPr lang="en-US" i="1" dirty="0"/>
+            <a:endParaRPr lang="en-US" i="1" dirty="0">
+              <a:solidFill>
+                <a:srgbClr val="FF0000"/>
+              </a:solidFill>
+            </a:endParaRPr>
           </a:p>
         </p:txBody>
       </p:sp>
@@ -8016,10 +8022,10 @@
       </p:sp>
       <p:pic>
         <p:nvPicPr>
-          <p:cNvPr id="6" name="Picture 5" descr="A picture containing text&#10;&#10;Description automatically generated">
+          <p:cNvPr id="7" name="Picture 6" descr="A picture containing text&#10;&#10;Description automatically generated">
             <a:extLst>
               <a:ext uri="{FF2B5EF4-FFF2-40B4-BE49-F238E27FC236}">
-                <a16:creationId xmlns:a16="http://schemas.microsoft.com/office/drawing/2014/main" id="{8E3C8441-4891-7444-9FD7-153B71C2A280}"/>
+                <a16:creationId xmlns:a16="http://schemas.microsoft.com/office/drawing/2014/main" id="{66998F4F-7474-7B4D-A3FD-7A5394A417D0}"/>
               </a:ext>
             </a:extLst>
           </p:cNvPr>
@@ -8029,21 +8035,15 @@
           <p:nvPr/>
         </p:nvPicPr>
         <p:blipFill>
-          <a:blip r:embed="rId3">
-            <a:extLst>
-              <a:ext uri="{28A0092B-C50C-407E-A947-70E740481C1C}">
-                <a14:useLocalDpi xmlns:a14="http://schemas.microsoft.com/office/drawing/2010/main" val="0"/>
-              </a:ext>
-            </a:extLst>
-          </a:blip>
+          <a:blip r:embed="rId3"/>
           <a:stretch>
             <a:fillRect/>
           </a:stretch>
         </p:blipFill>
         <p:spPr>
           <a:xfrm>
-            <a:off x="0" y="-519292"/>
-            <a:ext cx="12192000" cy="4321827"/>
+            <a:off x="0" y="0"/>
+            <a:ext cx="12192000" cy="4646111"/>
           </a:xfrm>
           <a:prstGeom prst="rect">
             <a:avLst/>
@@ -12126,7 +12126,7 @@
           <p:nvPr>
             <p:extLst>
               <p:ext uri="{D42A27DB-BD31-4B8C-83A1-F6EECF244321}">
-                <p14:modId xmlns:p14="http://schemas.microsoft.com/office/powerpoint/2010/main" val="3509357619"/>
+                <p14:modId xmlns:p14="http://schemas.microsoft.com/office/powerpoint/2010/main" val="3870057541"/>
               </p:ext>
             </p:extLst>
           </p:nvPr>
@@ -12782,7 +12782,7 @@
                           <a:ea typeface="+mn-ea"/>
                           <a:cs typeface="+mn-cs"/>
                         </a:rPr>
-                        <a:t>Exploratory Modelling Analysis  - Case Study using aimsir17</a:t>
+                        <a:t>Exploratory Data Analysis  - Case Study using aimsir17</a:t>
                       </a:r>
                     </a:p>
                   </a:txBody>
